--- a/ReadmeFiles/presentations/Auth and API flow.pptx
+++ b/ReadmeFiles/presentations/Auth and API flow.pptx
@@ -216,7 +216,7 @@
           <a:p>
             <a:fld id="{13B7006A-5A18-479A-9548-86052CE820ED}" type="datetimeFigureOut">
               <a:rPr lang="en-US" smtClean="0"/>
-              <a:t>1/29/2020</a:t>
+              <a:t>3/22/2021</a:t>
             </a:fld>
             <a:endParaRPr lang="en-US"/>
           </a:p>
@@ -774,7 +774,7 @@
           <a:p>
             <a:fld id="{5290CCD8-7197-4076-BE59-A63AE519E34E}" type="datetimeFigureOut">
               <a:rPr lang="en-US" smtClean="0"/>
-              <a:t>1/29/2020</a:t>
+              <a:t>3/22/2021</a:t>
             </a:fld>
             <a:endParaRPr lang="en-US"/>
           </a:p>
@@ -972,7 +972,7 @@
           <a:p>
             <a:fld id="{5290CCD8-7197-4076-BE59-A63AE519E34E}" type="datetimeFigureOut">
               <a:rPr lang="en-US" smtClean="0"/>
-              <a:t>1/29/2020</a:t>
+              <a:t>3/22/2021</a:t>
             </a:fld>
             <a:endParaRPr lang="en-US"/>
           </a:p>
@@ -1180,7 +1180,7 @@
           <a:p>
             <a:fld id="{5290CCD8-7197-4076-BE59-A63AE519E34E}" type="datetimeFigureOut">
               <a:rPr lang="en-US" smtClean="0"/>
-              <a:t>1/29/2020</a:t>
+              <a:t>3/22/2021</a:t>
             </a:fld>
             <a:endParaRPr lang="en-US"/>
           </a:p>
@@ -1378,7 +1378,7 @@
           <a:p>
             <a:fld id="{5290CCD8-7197-4076-BE59-A63AE519E34E}" type="datetimeFigureOut">
               <a:rPr lang="en-US" smtClean="0"/>
-              <a:t>1/29/2020</a:t>
+              <a:t>3/22/2021</a:t>
             </a:fld>
             <a:endParaRPr lang="en-US"/>
           </a:p>
@@ -1653,7 +1653,7 @@
           <a:p>
             <a:fld id="{5290CCD8-7197-4076-BE59-A63AE519E34E}" type="datetimeFigureOut">
               <a:rPr lang="en-US" smtClean="0"/>
-              <a:t>1/29/2020</a:t>
+              <a:t>3/22/2021</a:t>
             </a:fld>
             <a:endParaRPr lang="en-US"/>
           </a:p>
@@ -1918,7 +1918,7 @@
           <a:p>
             <a:fld id="{5290CCD8-7197-4076-BE59-A63AE519E34E}" type="datetimeFigureOut">
               <a:rPr lang="en-US" smtClean="0"/>
-              <a:t>1/29/2020</a:t>
+              <a:t>3/22/2021</a:t>
             </a:fld>
             <a:endParaRPr lang="en-US"/>
           </a:p>
@@ -2330,7 +2330,7 @@
           <a:p>
             <a:fld id="{5290CCD8-7197-4076-BE59-A63AE519E34E}" type="datetimeFigureOut">
               <a:rPr lang="en-US" smtClean="0"/>
-              <a:t>1/29/2020</a:t>
+              <a:t>3/22/2021</a:t>
             </a:fld>
             <a:endParaRPr lang="en-US"/>
           </a:p>
@@ -2471,7 +2471,7 @@
           <a:p>
             <a:fld id="{5290CCD8-7197-4076-BE59-A63AE519E34E}" type="datetimeFigureOut">
               <a:rPr lang="en-US" smtClean="0"/>
-              <a:t>1/29/2020</a:t>
+              <a:t>3/22/2021</a:t>
             </a:fld>
             <a:endParaRPr lang="en-US"/>
           </a:p>
@@ -2584,7 +2584,7 @@
           <a:p>
             <a:fld id="{5290CCD8-7197-4076-BE59-A63AE519E34E}" type="datetimeFigureOut">
               <a:rPr lang="en-US" smtClean="0"/>
-              <a:t>1/29/2020</a:t>
+              <a:t>3/22/2021</a:t>
             </a:fld>
             <a:endParaRPr lang="en-US"/>
           </a:p>
@@ -2895,7 +2895,7 @@
           <a:p>
             <a:fld id="{5290CCD8-7197-4076-BE59-A63AE519E34E}" type="datetimeFigureOut">
               <a:rPr lang="en-US" smtClean="0"/>
-              <a:t>1/29/2020</a:t>
+              <a:t>3/22/2021</a:t>
             </a:fld>
             <a:endParaRPr lang="en-US"/>
           </a:p>
@@ -3183,7 +3183,7 @@
           <a:p>
             <a:fld id="{5290CCD8-7197-4076-BE59-A63AE519E34E}" type="datetimeFigureOut">
               <a:rPr lang="en-US" smtClean="0"/>
-              <a:t>1/29/2020</a:t>
+              <a:t>3/22/2021</a:t>
             </a:fld>
             <a:endParaRPr lang="en-US"/>
           </a:p>
@@ -3424,7 +3424,7 @@
           <a:p>
             <a:fld id="{5290CCD8-7197-4076-BE59-A63AE519E34E}" type="datetimeFigureOut">
               <a:rPr lang="en-US" smtClean="0"/>
-              <a:t>1/29/2020</a:t>
+              <a:t>3/22/2021</a:t>
             </a:fld>
             <a:endParaRPr lang="en-US"/>
           </a:p>
@@ -4419,10 +4419,10 @@
         </p:nvGrpSpPr>
         <p:grpSpPr>
           <a:xfrm>
-            <a:off x="2585936" y="869898"/>
-            <a:ext cx="1559658" cy="5827035"/>
-            <a:chOff x="2142957" y="386876"/>
-            <a:chExt cx="1559658" cy="5281223"/>
+            <a:off x="2296354" y="851146"/>
+            <a:ext cx="2001125" cy="5845788"/>
+            <a:chOff x="1853375" y="369880"/>
+            <a:chExt cx="2001125" cy="5298219"/>
           </a:xfrm>
         </p:grpSpPr>
         <p:cxnSp>
@@ -4482,8 +4482,8 @@
           </p:nvSpPr>
           <p:spPr>
             <a:xfrm>
-              <a:off x="2142957" y="386876"/>
-              <a:ext cx="1559658" cy="278948"/>
+              <a:off x="1853375" y="369880"/>
+              <a:ext cx="2001125" cy="278948"/>
             </a:xfrm>
             <a:prstGeom prst="rect">
               <a:avLst/>
@@ -4525,7 +4525,7 @@
                   <a:ea typeface="+mn-ea"/>
                   <a:cs typeface="+mn-cs"/>
                 </a:rPr>
-                <a:t>Azure Marketplace</a:t>
+                <a:t>Commercial marketplace</a:t>
               </a:r>
             </a:p>
           </p:txBody>
@@ -4671,10 +4671,10 @@
         </p:nvGrpSpPr>
         <p:grpSpPr>
           <a:xfrm>
-            <a:off x="7935036" y="829968"/>
-            <a:ext cx="2665666" cy="5866929"/>
-            <a:chOff x="7497850" y="350686"/>
-            <a:chExt cx="2665666" cy="5317405"/>
+            <a:off x="8100762" y="829967"/>
+            <a:ext cx="2207271" cy="5866930"/>
+            <a:chOff x="7663576" y="350685"/>
+            <a:chExt cx="2207271" cy="5317406"/>
           </a:xfrm>
         </p:grpSpPr>
         <p:cxnSp>
@@ -4734,8 +4734,8 @@
           </p:nvSpPr>
           <p:spPr>
             <a:xfrm>
-              <a:off x="7497850" y="350686"/>
-              <a:ext cx="2665666" cy="278949"/>
+              <a:off x="7663576" y="350685"/>
+              <a:ext cx="2207271" cy="278949"/>
             </a:xfrm>
             <a:prstGeom prst="rect">
               <a:avLst/>
@@ -4777,7 +4777,41 @@
                   <a:ea typeface="+mn-ea"/>
                   <a:cs typeface="+mn-cs"/>
                 </a:rPr>
-                <a:t>Azure Marketplace Fulfillment API</a:t>
+                <a:t>Marketplace </a:t>
+              </a:r>
+              <a:r>
+                <a:rPr lang="en-US" sz="1400" dirty="0">
+                  <a:latin typeface="Calibri" panose="020F0502020204030204"/>
+                </a:rPr>
+                <a:t>f</a:t>
+              </a:r>
+              <a:r>
+                <a:rPr kumimoji="0" lang="en-US" sz="1400" b="0" i="0" u="none" strike="noStrike" kern="1200" cap="none" spc="0" normalizeH="0" baseline="0" noProof="0" dirty="0" err="1">
+                  <a:ln>
+                    <a:noFill/>
+                  </a:ln>
+                  <a:effectLst/>
+                  <a:uLnTx/>
+                  <a:uFillTx/>
+                  <a:latin typeface="Calibri" panose="020F0502020204030204"/>
+                  <a:ea typeface="+mn-ea"/>
+                  <a:cs typeface="+mn-cs"/>
+                </a:rPr>
+                <a:t>ulfillment</a:t>
+              </a:r>
+              <a:r>
+                <a:rPr kumimoji="0" lang="en-US" sz="1400" b="0" i="0" u="none" strike="noStrike" kern="1200" cap="none" spc="0" normalizeH="0" baseline="0" noProof="0" dirty="0">
+                  <a:ln>
+                    <a:noFill/>
+                  </a:ln>
+                  <a:effectLst/>
+                  <a:uLnTx/>
+                  <a:uFillTx/>
+                  <a:latin typeface="Calibri" panose="020F0502020204030204"/>
+                  <a:ea typeface="+mn-ea"/>
+                  <a:cs typeface="+mn-cs"/>
+                </a:rPr>
+                <a:t> API</a:t>
               </a:r>
             </a:p>
           </p:txBody>
@@ -4798,7 +4832,7 @@
         <p:spPr>
           <a:xfrm>
             <a:off x="241023" y="295458"/>
-            <a:ext cx="5811143" cy="523220"/>
+            <a:ext cx="5750228" cy="523220"/>
           </a:xfrm>
           <a:prstGeom prst="rect">
             <a:avLst/>
@@ -4840,7 +4874,7 @@
                 <a:ea typeface="+mn-ea"/>
                 <a:cs typeface="+mn-cs"/>
               </a:rPr>
-              <a:t>Customer Subscription Activation Flow</a:t>
+              <a:t>Customer subscription activation flow</a:t>
             </a:r>
           </a:p>
         </p:txBody>
@@ -5447,7 +5481,7 @@
               <a:defRPr/>
             </a:pPr>
             <a:r>
-              <a:rPr kumimoji="0" lang="en-US" sz="900" b="0" i="0" u="none" strike="noStrike" kern="1200" cap="none" spc="0" normalizeH="0" baseline="0" noProof="0">
+              <a:rPr kumimoji="0" lang="en-US" sz="900" b="0" i="0" u="none" strike="noStrike" kern="1200" cap="none" spc="0" normalizeH="0" baseline="0" noProof="0" dirty="0">
                 <a:ln>
                   <a:noFill/>
                 </a:ln>
@@ -5461,7 +5495,41 @@
                 <a:ea typeface="+mn-ea"/>
                 <a:cs typeface="+mn-cs"/>
               </a:rPr>
-              <a:t>Azure portal Saas -&gt; </a:t>
+              <a:t>Azure portal </a:t>
+            </a:r>
+            <a:r>
+              <a:rPr kumimoji="0" lang="en-US" sz="900" b="0" i="0" u="none" strike="noStrike" kern="1200" cap="none" spc="0" normalizeH="0" baseline="0" noProof="0" dirty="0" err="1">
+                <a:ln>
+                  <a:noFill/>
+                </a:ln>
+                <a:solidFill>
+                  <a:schemeClr val="tx1"/>
+                </a:solidFill>
+                <a:effectLst/>
+                <a:uLnTx/>
+                <a:uFillTx/>
+                <a:latin typeface="Calibri" panose="020F0502020204030204"/>
+                <a:ea typeface="+mn-ea"/>
+                <a:cs typeface="+mn-cs"/>
+              </a:rPr>
+              <a:t>Saas</a:t>
+            </a:r>
+            <a:r>
+              <a:rPr kumimoji="0" lang="en-US" sz="900" b="0" i="0" u="none" strike="noStrike" kern="1200" cap="none" spc="0" normalizeH="0" baseline="0" noProof="0" dirty="0">
+                <a:ln>
+                  <a:noFill/>
+                </a:ln>
+                <a:solidFill>
+                  <a:schemeClr val="tx1"/>
+                </a:solidFill>
+                <a:effectLst/>
+                <a:uLnTx/>
+                <a:uFillTx/>
+                <a:latin typeface="Calibri" panose="020F0502020204030204"/>
+                <a:ea typeface="+mn-ea"/>
+                <a:cs typeface="+mn-cs"/>
+              </a:rPr>
+              <a:t> -&gt; </a:t>
             </a:r>
           </a:p>
           <a:p>
@@ -5483,7 +5551,7 @@
               <a:defRPr/>
             </a:pPr>
             <a:r>
-              <a:rPr kumimoji="0" lang="en-US" sz="900" b="0" i="0" u="none" strike="noStrike" kern="1200" cap="none" spc="0" normalizeH="0" baseline="0" noProof="0">
+              <a:rPr kumimoji="0" lang="en-US" sz="900" b="0" i="0" u="none" strike="noStrike" kern="1200" cap="none" spc="0" normalizeH="0" baseline="0" noProof="0" dirty="0">
                 <a:ln>
                   <a:noFill/>
                 </a:ln>
@@ -5519,7 +5587,7 @@
               <a:defRPr/>
             </a:pPr>
             <a:r>
-              <a:rPr kumimoji="0" lang="en-US" sz="900" b="0" i="0" u="none" strike="noStrike" kern="1200" cap="none" spc="0" normalizeH="0" baseline="0" noProof="0">
+              <a:rPr kumimoji="0" lang="en-US" sz="900" b="0" i="0" u="none" strike="noStrike" kern="1200" cap="none" spc="0" normalizeH="0" baseline="0" noProof="0" dirty="0">
                 <a:ln>
                   <a:noFill/>
                 </a:ln>
@@ -5536,7 +5604,7 @@
               <a:t>/</a:t>
             </a:r>
             <a:r>
-              <a:rPr kumimoji="0" lang="en-US" sz="900" b="0" i="0" u="none" strike="noStrike" kern="1200" cap="none" spc="0" normalizeH="0" baseline="0" noProof="0" err="1">
+              <a:rPr kumimoji="0" lang="en-US" sz="900" b="0" i="0" u="none" strike="noStrike" kern="1200" cap="none" spc="0" normalizeH="0" baseline="0" noProof="0" dirty="0" err="1">
                 <a:ln>
                   <a:noFill/>
                 </a:ln>
@@ -5553,7 +5621,7 @@
               <a:t>Landingpage?token</a:t>
             </a:r>
             <a:r>
-              <a:rPr kumimoji="0" lang="en-US" sz="900" b="0" i="0" u="none" strike="noStrike" kern="1200" cap="none" spc="0" normalizeH="0" baseline="0" noProof="0">
+              <a:rPr kumimoji="0" lang="en-US" sz="900" b="0" i="0" u="none" strike="noStrike" kern="1200" cap="none" spc="0" normalizeH="0" baseline="0" noProof="0" dirty="0">
                 <a:ln>
                   <a:noFill/>
                 </a:ln>
@@ -5878,7 +5946,7 @@
                   </a:extLst>
                 </a:hlinkClick>
               </a:rPr>
-              <a:t>https://login.microsoftonline.com/*{tenantId}*/oauth2/token</a:t>
+              <a:t>https://login.microsoftonline.com/*{tenantId}*/oauth2/v2.0/token</a:t>
             </a:r>
             <a:br>
               <a:rPr kumimoji="0" lang="en-US" sz="900" b="1" i="0" u="sng" strike="noStrike" kern="1200" cap="none" spc="0" normalizeH="0" baseline="0" noProof="0" dirty="0">
@@ -5897,7 +5965,7 @@
               </a:rPr>
             </a:br>
             <a:r>
-              <a:rPr kumimoji="0" lang="en-US" sz="900" b="0" i="0" u="none" strike="noStrike" kern="1200" cap="none" spc="0" normalizeH="0" baseline="0" noProof="0" dirty="0" err="1">
+              <a:rPr kumimoji="0" lang="en-US" sz="900" i="0" strike="noStrike" kern="1200" cap="none" spc="0" normalizeH="0" baseline="0" noProof="0" dirty="0" err="1">
                 <a:ln>
                   <a:noFill/>
                 </a:ln>
@@ -5911,10 +5979,10 @@
                 <a:ea typeface="+mn-ea"/>
                 <a:cs typeface="+mn-cs"/>
               </a:rPr>
-              <a:t>Grant_type</a:t>
-            </a:r>
-            <a:r>
-              <a:rPr kumimoji="0" lang="en-US" sz="900" b="0" i="0" u="none" strike="noStrike" kern="1200" cap="none" spc="0" normalizeH="0" baseline="0" noProof="0" dirty="0">
+              <a:t>client_id</a:t>
+            </a:r>
+            <a:r>
+              <a:rPr kumimoji="0" lang="en-US" sz="900" i="0" strike="noStrike" kern="1200" cap="none" spc="0" normalizeH="0" baseline="0" noProof="0" dirty="0">
                 <a:ln>
                   <a:noFill/>
                 </a:ln>
@@ -5928,10 +5996,10 @@
                 <a:ea typeface="+mn-ea"/>
                 <a:cs typeface="+mn-cs"/>
               </a:rPr>
-              <a:t> </a:t>
-            </a:r>
-            <a:r>
-              <a:rPr kumimoji="0" lang="en-US" sz="900" b="0" i="0" u="none" strike="noStrike" kern="1200" cap="none" spc="0" normalizeH="0" baseline="0" noProof="0" dirty="0" err="1">
+              <a:t>=&lt;</a:t>
+            </a:r>
+            <a:r>
+              <a:rPr kumimoji="0" lang="en-US" sz="900" i="0" strike="noStrike" kern="1200" cap="none" spc="0" normalizeH="0" baseline="0" noProof="0" dirty="0" err="1">
                 <a:ln>
                   <a:noFill/>
                 </a:ln>
@@ -5945,10 +6013,10 @@
                 <a:ea typeface="+mn-ea"/>
                 <a:cs typeface="+mn-cs"/>
               </a:rPr>
-              <a:t>client_credentials</a:t>
-            </a:r>
-            <a:r>
-              <a:rPr kumimoji="0" lang="en-US" sz="900" b="0" i="0" u="none" strike="noStrike" kern="1200" cap="none" spc="0" normalizeH="0" baseline="0" noProof="0" dirty="0">
+              <a:t>client_id</a:t>
+            </a:r>
+            <a:r>
+              <a:rPr kumimoji="0" lang="en-US" sz="900" i="0" strike="noStrike" kern="1200" cap="none" spc="0" normalizeH="0" baseline="0" noProof="0" dirty="0">
                 <a:ln>
                   <a:noFill/>
                 </a:ln>
@@ -5962,91 +6030,7 @@
                 <a:ea typeface="+mn-ea"/>
                 <a:cs typeface="+mn-cs"/>
               </a:rPr>
-              <a:t> </a:t>
-            </a:r>
-            <a:br>
-              <a:rPr kumimoji="0" lang="en-US" sz="900" b="0" i="0" u="none" strike="noStrike" kern="1200" cap="none" spc="0" normalizeH="0" baseline="0" noProof="0" dirty="0">
-                <a:ln>
-                  <a:noFill/>
-                </a:ln>
-                <a:solidFill>
-                  <a:schemeClr val="tx1"/>
-                </a:solidFill>
-                <a:effectLst/>
-                <a:uLnTx/>
-                <a:uFillTx/>
-                <a:latin typeface="Calibri" panose="020F0502020204030204"/>
-                <a:ea typeface="+mn-ea"/>
-                <a:cs typeface="+mn-cs"/>
-              </a:rPr>
-            </a:br>
-            <a:r>
-              <a:rPr kumimoji="0" lang="en-US" sz="900" b="0" i="0" u="none" strike="noStrike" kern="1200" cap="none" spc="0" normalizeH="0" baseline="0" noProof="0" dirty="0" err="1">
-                <a:ln>
-                  <a:noFill/>
-                </a:ln>
-                <a:solidFill>
-                  <a:schemeClr val="tx1"/>
-                </a:solidFill>
-                <a:effectLst/>
-                <a:uLnTx/>
-                <a:uFillTx/>
-                <a:latin typeface="Calibri" panose="020F0502020204030204"/>
-                <a:ea typeface="+mn-ea"/>
-                <a:cs typeface="+mn-cs"/>
-              </a:rPr>
-              <a:t>Client_id</a:t>
-            </a:r>
-            <a:r>
-              <a:rPr kumimoji="0" lang="en-US" sz="900" b="0" i="0" u="none" strike="noStrike" kern="1200" cap="none" spc="0" normalizeH="0" baseline="0" noProof="0" dirty="0">
-                <a:ln>
-                  <a:noFill/>
-                </a:ln>
-                <a:solidFill>
-                  <a:schemeClr val="tx1"/>
-                </a:solidFill>
-                <a:effectLst/>
-                <a:uLnTx/>
-                <a:uFillTx/>
-                <a:latin typeface="Calibri" panose="020F0502020204030204"/>
-                <a:ea typeface="+mn-ea"/>
-                <a:cs typeface="+mn-cs"/>
-              </a:rPr>
-              <a:t>/ </a:t>
-            </a:r>
-            <a:r>
-              <a:rPr kumimoji="0" lang="en-US" sz="900" b="0" i="0" u="none" strike="noStrike" kern="1200" cap="none" spc="0" normalizeH="0" baseline="0" noProof="0" dirty="0" err="1">
-                <a:ln>
-                  <a:noFill/>
-                </a:ln>
-                <a:solidFill>
-                  <a:schemeClr val="tx1"/>
-                </a:solidFill>
-                <a:effectLst/>
-                <a:uLnTx/>
-                <a:uFillTx/>
-                <a:latin typeface="Calibri" panose="020F0502020204030204"/>
-                <a:ea typeface="+mn-ea"/>
-                <a:cs typeface="+mn-cs"/>
-              </a:rPr>
-              <a:t>client_secret</a:t>
-            </a:r>
-            <a:r>
-              <a:rPr kumimoji="0" lang="en-US" sz="900" b="0" i="0" u="none" strike="noStrike" kern="1200" cap="none" spc="0" normalizeH="0" baseline="0" noProof="0" dirty="0">
-                <a:ln>
-                  <a:noFill/>
-                </a:ln>
-                <a:solidFill>
-                  <a:schemeClr val="tx1"/>
-                </a:solidFill>
-                <a:effectLst/>
-                <a:uLnTx/>
-                <a:uFillTx/>
-                <a:latin typeface="Calibri" panose="020F0502020204030204"/>
-                <a:ea typeface="+mn-ea"/>
-                <a:cs typeface="+mn-cs"/>
-              </a:rPr>
-              <a:t>/  </a:t>
+              <a:t>&gt;</a:t>
             </a:r>
           </a:p>
           <a:p>
@@ -6068,6 +6052,23 @@
               <a:defRPr/>
             </a:pPr>
             <a:r>
+              <a:rPr kumimoji="0" lang="en-US" sz="900" b="0" i="0" u="none" strike="noStrike" kern="1200" cap="none" spc="0" normalizeH="0" baseline="0" noProof="0" dirty="0" err="1">
+                <a:ln>
+                  <a:noFill/>
+                </a:ln>
+                <a:solidFill>
+                  <a:schemeClr val="tx1"/>
+                </a:solidFill>
+                <a:effectLst/>
+                <a:uLnTx/>
+                <a:uFillTx/>
+                <a:latin typeface="Calibri" panose="020F0502020204030204"/>
+                <a:ea typeface="+mn-ea"/>
+                <a:cs typeface="+mn-cs"/>
+              </a:rPr>
+              <a:t>grant_type</a:t>
+            </a:r>
+            <a:r>
               <a:rPr kumimoji="0" lang="en-US" sz="900" b="0" i="0" u="none" strike="noStrike" kern="1200" cap="none" spc="0" normalizeH="0" baseline="0" noProof="0" dirty="0">
                 <a:ln>
                   <a:noFill/>
@@ -6082,8 +6083,39 @@
                 <a:ea typeface="+mn-ea"/>
                 <a:cs typeface="+mn-cs"/>
               </a:rPr>
-              <a:t>resource = 62d94f6c-d599-489b-a797-3e10e42fbe22</a:t>
-            </a:r>
+              <a:t>=</a:t>
+            </a:r>
+            <a:r>
+              <a:rPr kumimoji="0" lang="en-US" sz="900" b="0" i="0" u="none" strike="noStrike" kern="1200" cap="none" spc="0" normalizeH="0" baseline="0" noProof="0" dirty="0" err="1">
+                <a:ln>
+                  <a:noFill/>
+                </a:ln>
+                <a:solidFill>
+                  <a:schemeClr val="tx1"/>
+                </a:solidFill>
+                <a:effectLst/>
+                <a:uLnTx/>
+                <a:uFillTx/>
+                <a:latin typeface="Calibri" panose="020F0502020204030204"/>
+                <a:ea typeface="+mn-ea"/>
+                <a:cs typeface="+mn-cs"/>
+              </a:rPr>
+              <a:t>client_credentials</a:t>
+            </a:r>
+            <a:endParaRPr kumimoji="0" lang="en-US" sz="900" b="0" i="0" u="none" strike="noStrike" kern="1200" cap="none" spc="0" normalizeH="0" baseline="0" noProof="0" dirty="0">
+              <a:ln>
+                <a:noFill/>
+              </a:ln>
+              <a:solidFill>
+                <a:schemeClr val="tx1"/>
+              </a:solidFill>
+              <a:effectLst/>
+              <a:uLnTx/>
+              <a:uFillTx/>
+              <a:latin typeface="Calibri" panose="020F0502020204030204"/>
+              <a:ea typeface="+mn-ea"/>
+              <a:cs typeface="+mn-cs"/>
+            </a:endParaRPr>
           </a:p>
           <a:p>
             <a:pPr marL="0" marR="0" lvl="0" indent="0" algn="l" defTabSz="457200" rtl="0" eaLnBrk="1" fontAlgn="auto" latinLnBrk="0" hangingPunct="1">
@@ -6118,109 +6150,7 @@
                 <a:ea typeface="+mn-ea"/>
                 <a:cs typeface="+mn-cs"/>
               </a:rPr>
-              <a:t>These are the </a:t>
-            </a:r>
-            <a:r>
-              <a:rPr kumimoji="0" lang="en-US" sz="900" b="0" i="0" u="none" strike="noStrike" kern="1200" cap="none" spc="0" normalizeH="0" baseline="0" noProof="0" dirty="0" err="1">
-                <a:ln>
-                  <a:noFill/>
-                </a:ln>
-                <a:solidFill>
-                  <a:schemeClr val="tx1"/>
-                </a:solidFill>
-                <a:effectLst/>
-                <a:uLnTx/>
-                <a:uFillTx/>
-                <a:latin typeface="Calibri" panose="020F0502020204030204"/>
-                <a:ea typeface="+mn-ea"/>
-                <a:cs typeface="+mn-cs"/>
-              </a:rPr>
-              <a:t>appid</a:t>
-            </a:r>
-            <a:r>
-              <a:rPr kumimoji="0" lang="en-US" sz="900" b="0" i="0" u="none" strike="noStrike" kern="1200" cap="none" spc="0" normalizeH="0" baseline="0" noProof="0" dirty="0">
-                <a:ln>
-                  <a:noFill/>
-                </a:ln>
-                <a:solidFill>
-                  <a:schemeClr val="tx1"/>
-                </a:solidFill>
-                <a:effectLst/>
-                <a:uLnTx/>
-                <a:uFillTx/>
-                <a:latin typeface="Calibri" panose="020F0502020204030204"/>
-                <a:ea typeface="+mn-ea"/>
-                <a:cs typeface="+mn-cs"/>
-              </a:rPr>
-              <a:t>/</a:t>
-            </a:r>
-            <a:r>
-              <a:rPr kumimoji="0" lang="en-US" sz="900" b="0" i="0" u="none" strike="noStrike" kern="1200" cap="none" spc="0" normalizeH="0" baseline="0" noProof="0" dirty="0" err="1">
-                <a:ln>
-                  <a:noFill/>
-                </a:ln>
-                <a:solidFill>
-                  <a:schemeClr val="tx1"/>
-                </a:solidFill>
-                <a:effectLst/>
-                <a:uLnTx/>
-                <a:uFillTx/>
-                <a:latin typeface="Calibri" panose="020F0502020204030204"/>
-                <a:ea typeface="+mn-ea"/>
-                <a:cs typeface="+mn-cs"/>
-              </a:rPr>
-              <a:t>clientid</a:t>
-            </a:r>
-            <a:r>
-              <a:rPr kumimoji="0" lang="en-US" sz="900" b="0" i="0" u="none" strike="noStrike" kern="1200" cap="none" spc="0" normalizeH="0" baseline="0" noProof="0" dirty="0">
-                <a:ln>
-                  <a:noFill/>
-                </a:ln>
-                <a:solidFill>
-                  <a:schemeClr val="tx1"/>
-                </a:solidFill>
-                <a:effectLst/>
-                <a:uLnTx/>
-                <a:uFillTx/>
-                <a:latin typeface="Calibri" panose="020F0502020204030204"/>
-                <a:ea typeface="+mn-ea"/>
-                <a:cs typeface="+mn-cs"/>
-              </a:rPr>
-              <a:t>, </a:t>
-            </a:r>
-            <a:r>
-              <a:rPr kumimoji="0" lang="en-US" sz="900" b="0" i="0" u="none" strike="noStrike" kern="1200" cap="none" spc="0" normalizeH="0" baseline="0" noProof="0" dirty="0" err="1">
-                <a:ln>
-                  <a:noFill/>
-                </a:ln>
-                <a:solidFill>
-                  <a:schemeClr val="tx1"/>
-                </a:solidFill>
-                <a:effectLst/>
-                <a:uLnTx/>
-                <a:uFillTx/>
-                <a:latin typeface="Calibri" panose="020F0502020204030204"/>
-                <a:ea typeface="+mn-ea"/>
-                <a:cs typeface="+mn-cs"/>
-              </a:rPr>
-              <a:t>tenantid</a:t>
-            </a:r>
-            <a:r>
-              <a:rPr kumimoji="0" lang="en-US" sz="900" b="0" i="0" u="none" strike="noStrike" kern="1200" cap="none" spc="0" normalizeH="0" baseline="0" noProof="0" dirty="0">
-                <a:ln>
-                  <a:noFill/>
-                </a:ln>
-                <a:solidFill>
-                  <a:schemeClr val="tx1"/>
-                </a:solidFill>
-                <a:effectLst/>
-                <a:uLnTx/>
-                <a:uFillTx/>
-                <a:latin typeface="Calibri" panose="020F0502020204030204"/>
-                <a:ea typeface="+mn-ea"/>
-                <a:cs typeface="+mn-cs"/>
-              </a:rPr>
-              <a:t> details which are set in technical </a:t>
+              <a:t>scope=20e940b3-4c77-4b0b-9a53-9e16a1b010a7/.default</a:t>
             </a:r>
           </a:p>
           <a:p>
@@ -6242,22 +6172,55 @@
               <a:defRPr/>
             </a:pPr>
             <a:r>
-              <a:rPr kumimoji="0" lang="en-US" sz="900" b="0" i="0" u="none" strike="noStrike" kern="1200" cap="none" spc="0" normalizeH="0" baseline="0" noProof="0" dirty="0">
-                <a:ln>
-                  <a:noFill/>
-                </a:ln>
+              <a:rPr lang="en-US" sz="900" dirty="0" err="1">
                 <a:solidFill>
                   <a:schemeClr val="tx1"/>
                 </a:solidFill>
-                <a:effectLst/>
-                <a:uLnTx/>
-                <a:uFillTx/>
                 <a:latin typeface="Calibri" panose="020F0502020204030204"/>
-                <a:ea typeface="+mn-ea"/>
-                <a:cs typeface="+mn-cs"/>
               </a:rPr>
-              <a:t>configuration tab during transact offer setup.</a:t>
-            </a:r>
+              <a:t>client_secret</a:t>
+            </a:r>
+            <a:r>
+              <a:rPr lang="en-US" sz="900" dirty="0">
+                <a:solidFill>
+                  <a:schemeClr val="tx1"/>
+                </a:solidFill>
+                <a:latin typeface="Calibri" panose="020F0502020204030204"/>
+              </a:rPr>
+              <a:t>=&lt;</a:t>
+            </a:r>
+            <a:r>
+              <a:rPr lang="en-US" sz="900" dirty="0" err="1">
+                <a:solidFill>
+                  <a:schemeClr val="tx1"/>
+                </a:solidFill>
+                <a:latin typeface="Calibri" panose="020F0502020204030204"/>
+              </a:rPr>
+              <a:t>client_secret</a:t>
+            </a:r>
+            <a:r>
+              <a:rPr lang="en-US" sz="900" dirty="0">
+                <a:solidFill>
+                  <a:schemeClr val="tx1"/>
+                </a:solidFill>
+                <a:latin typeface="Calibri" panose="020F0502020204030204"/>
+              </a:rPr>
+              <a:t>&gt;</a:t>
+            </a:r>
+            <a:endParaRPr kumimoji="0" lang="en-US" sz="900" b="0" i="0" u="none" strike="noStrike" kern="1200" cap="none" spc="0" normalizeH="0" baseline="0" noProof="0" dirty="0">
+              <a:ln>
+                <a:noFill/>
+              </a:ln>
+              <a:solidFill>
+                <a:schemeClr val="tx1"/>
+              </a:solidFill>
+              <a:effectLst/>
+              <a:uLnTx/>
+              <a:uFillTx/>
+              <a:latin typeface="Calibri" panose="020F0502020204030204"/>
+              <a:ea typeface="+mn-ea"/>
+              <a:cs typeface="+mn-cs"/>
+            </a:endParaRPr>
           </a:p>
         </p:txBody>
       </p:sp>
@@ -7269,13 +7232,13 @@
           <a:p>
             <a:r>
               <a:rPr lang="en-US" sz="900" dirty="0"/>
-              <a:t>Use v1 AD endpoint, use “</a:t>
+              <a:t>Use either endpoints, recommended v2, use “</a:t>
             </a:r>
             <a:r>
               <a:rPr lang="en-US" sz="900" dirty="0">
-                <a:hlinkClick r:id="rId3"/>
+                <a:hlinkClick r:id="rId9"/>
               </a:rPr>
-              <a:t>Service-to-service access token request</a:t>
+              <a:t>Get a token</a:t>
             </a:r>
             <a:r>
               <a:rPr lang="en-US" sz="900" dirty="0"/>
@@ -8074,6 +8037,125 @@
             <a:r>
               <a:rPr lang="en-US" sz="1100" dirty="0"/>
               <a:t>10</a:t>
+            </a:r>
+          </a:p>
+        </p:txBody>
+      </p:sp>
+      <p:sp>
+        <p:nvSpPr>
+          <p:cNvPr id="10" name="Callout: Line 9">
+            <a:extLst>
+              <a:ext uri="{FF2B5EF4-FFF2-40B4-BE49-F238E27FC236}">
+                <a16:creationId xmlns:a16="http://schemas.microsoft.com/office/drawing/2014/main" id="{D733EAFB-DA0C-4409-A002-A70C3F176773}"/>
+              </a:ext>
+            </a:extLst>
+          </p:cNvPr>
+          <p:cNvSpPr/>
+          <p:nvPr/>
+        </p:nvSpPr>
+        <p:spPr>
+          <a:xfrm>
+            <a:off x="88221" y="4632152"/>
+            <a:ext cx="1147407" cy="747369"/>
+          </a:xfrm>
+          <a:prstGeom prst="borderCallout1">
+            <a:avLst>
+              <a:gd name="adj1" fmla="val 20101"/>
+              <a:gd name="adj2" fmla="val 102762"/>
+              <a:gd name="adj3" fmla="val -32610"/>
+              <a:gd name="adj4" fmla="val 122298"/>
+            </a:avLst>
+          </a:prstGeom>
+        </p:spPr>
+        <p:style>
+          <a:lnRef idx="2">
+            <a:schemeClr val="accent1">
+              <a:shade val="50000"/>
+            </a:schemeClr>
+          </a:lnRef>
+          <a:fillRef idx="1">
+            <a:schemeClr val="accent1"/>
+          </a:fillRef>
+          <a:effectRef idx="0">
+            <a:schemeClr val="accent1"/>
+          </a:effectRef>
+          <a:fontRef idx="minor">
+            <a:schemeClr val="lt1"/>
+          </a:fontRef>
+        </p:style>
+        <p:txBody>
+          <a:bodyPr rtlCol="0" anchor="ctr"/>
+          <a:lstStyle/>
+          <a:p>
+            <a:pPr marL="0" marR="0" lvl="0" indent="0" algn="l" defTabSz="457200" rtl="0" eaLnBrk="1" fontAlgn="auto" latinLnBrk="0" hangingPunct="1">
+              <a:lnSpc>
+                <a:spcPct val="100000"/>
+              </a:lnSpc>
+              <a:spcBef>
+                <a:spcPts val="0"/>
+              </a:spcBef>
+              <a:spcAft>
+                <a:spcPts val="0"/>
+              </a:spcAft>
+              <a:buClrTx/>
+              <a:buSzTx/>
+              <a:buFontTx/>
+              <a:buNone/>
+              <a:tabLst/>
+              <a:defRPr/>
+            </a:pPr>
+            <a:r>
+              <a:rPr kumimoji="0" lang="en-US" sz="800" b="0" i="0" u="none" strike="noStrike" kern="1200" cap="none" spc="0" normalizeH="0" baseline="0" noProof="0" dirty="0">
+                <a:ln>
+                  <a:noFill/>
+                </a:ln>
+                <a:solidFill>
+                  <a:schemeClr val="tx1"/>
+                </a:solidFill>
+                <a:effectLst/>
+                <a:uLnTx/>
+                <a:uFillTx/>
+                <a:latin typeface="Calibri" panose="020F0502020204030204"/>
+                <a:ea typeface="+mn-ea"/>
+                <a:cs typeface="+mn-cs"/>
+              </a:rPr>
+              <a:t>appid/clientid, tenantid details are set in technical </a:t>
+            </a:r>
+          </a:p>
+          <a:p>
+            <a:pPr marL="0" marR="0" lvl="0" indent="0" algn="l" defTabSz="457200" rtl="0" eaLnBrk="1" fontAlgn="auto" latinLnBrk="0" hangingPunct="1">
+              <a:lnSpc>
+                <a:spcPct val="100000"/>
+              </a:lnSpc>
+              <a:spcBef>
+                <a:spcPts val="0"/>
+              </a:spcBef>
+              <a:spcAft>
+                <a:spcPts val="0"/>
+              </a:spcAft>
+              <a:buClrTx/>
+              <a:buSzTx/>
+              <a:buFontTx/>
+              <a:buNone/>
+              <a:tabLst/>
+              <a:defRPr/>
+            </a:pPr>
+            <a:r>
+              <a:rPr kumimoji="0" lang="en-US" sz="800" b="0" i="0" u="none" strike="noStrike" kern="1200" cap="none" spc="0" normalizeH="0" baseline="0" noProof="0" dirty="0">
+                <a:ln>
+                  <a:noFill/>
+                </a:ln>
+                <a:solidFill>
+                  <a:schemeClr val="tx1"/>
+                </a:solidFill>
+                <a:effectLst/>
+                <a:uLnTx/>
+                <a:uFillTx/>
+                <a:latin typeface="Calibri" panose="020F0502020204030204"/>
+                <a:ea typeface="+mn-ea"/>
+                <a:cs typeface="+mn-cs"/>
+              </a:rPr>
+              <a:t>configuration tab during transact offer setup</a:t>
             </a:r>
           </a:p>
         </p:txBody>
@@ -8682,23 +8764,6 @@
 </file>
 
 <file path=customXml/item1.xml><?xml version="1.0" encoding="utf-8"?>
-<p:properties xmlns:p="http://schemas.microsoft.com/office/2006/metadata/properties" xmlns:xsi="http://www.w3.org/2001/XMLSchema-instance" xmlns:pc="http://schemas.microsoft.com/office/infopath/2007/PartnerControls">
-  <documentManagement>
-    <MediaServiceKeyPoints xmlns="30ba80bf-d9c2-4d8e-8eb2-39800b00708f" xsi:nil="true"/>
-  </documentManagement>
-</p:properties>
-</file>
-
-<file path=customXml/item2.xml><?xml version="1.0" encoding="utf-8"?>
-<?mso-contentType ?>
-<FormTemplates xmlns="http://schemas.microsoft.com/sharepoint/v3/contenttype/forms">
-  <Display>DocumentLibraryForm</Display>
-  <Edit>DocumentLibraryForm</Edit>
-  <New>DocumentLibraryForm</New>
-</FormTemplates>
-</file>
-
-<file path=customXml/item3.xml><?xml version="1.0" encoding="utf-8"?>
 <ct:contentTypeSchema xmlns:ct="http://schemas.microsoft.com/office/2006/metadata/contentType" xmlns:ma="http://schemas.microsoft.com/office/2006/metadata/properties/metaAttributes" ct:_="" ma:_="" ma:contentTypeName="Document" ma:contentTypeID="0x0101002C7AFDEF94D62A40AF08EE7D80E5F8AC" ma:contentTypeVersion="14" ma:contentTypeDescription="Create a new document." ma:contentTypeScope="" ma:versionID="7a23a8ccffc5f73cd34655d0cc6fdf57">
   <xsd:schema xmlns:xsd="http://www.w3.org/2001/XMLSchema" xmlns:xs="http://www.w3.org/2001/XMLSchema" xmlns:p="http://schemas.microsoft.com/office/2006/metadata/properties" xmlns:ns3="30ba80bf-d9c2-4d8e-8eb2-39800b00708f" xmlns:ns4="bcb77b80-1a7c-4860-8084-1a0a860fa76b" targetNamespace="http://schemas.microsoft.com/office/2006/metadata/properties" ma:root="true" ma:fieldsID="efab563a0d3226ac6bd9d2c336274c71" ns3:_="" ns4:_="">
     <xsd:import namespace="30ba80bf-d9c2-4d8e-8eb2-39800b00708f"/>
@@ -8927,25 +8992,24 @@
 </ct:contentTypeSchema>
 </file>
 
-<file path=customXml/itemProps1.xml><?xml version="1.0" encoding="utf-8"?>
-<ds:datastoreItem xmlns:ds="http://schemas.openxmlformats.org/officeDocument/2006/customXml" ds:itemID="{452CD355-91AA-44D7-9281-FE3D16EDCDA0}">
-  <ds:schemaRefs>
-    <ds:schemaRef ds:uri="http://schemas.microsoft.com/office/2006/metadata/properties"/>
-    <ds:schemaRef ds:uri="http://schemas.microsoft.com/office/infopath/2007/PartnerControls"/>
-    <ds:schemaRef ds:uri="30ba80bf-d9c2-4d8e-8eb2-39800b00708f"/>
-  </ds:schemaRefs>
-</ds:datastoreItem>
+<file path=customXml/item2.xml><?xml version="1.0" encoding="utf-8"?>
+<?mso-contentType ?>
+<FormTemplates xmlns="http://schemas.microsoft.com/sharepoint/v3/contenttype/forms">
+  <Display>DocumentLibraryForm</Display>
+  <Edit>DocumentLibraryForm</Edit>
+  <New>DocumentLibraryForm</New>
+</FormTemplates>
 </file>
 
-<file path=customXml/itemProps2.xml><?xml version="1.0" encoding="utf-8"?>
-<ds:datastoreItem xmlns:ds="http://schemas.openxmlformats.org/officeDocument/2006/customXml" ds:itemID="{CE9446AF-47BF-4B9B-8786-FE58025BA149}">
-  <ds:schemaRefs>
-    <ds:schemaRef ds:uri="http://schemas.microsoft.com/sharepoint/v3/contenttype/forms"/>
-  </ds:schemaRefs>
-</ds:datastoreItem>
+<file path=customXml/item3.xml><?xml version="1.0" encoding="utf-8"?>
+<p:properties xmlns:p="http://schemas.microsoft.com/office/2006/metadata/properties" xmlns:xsi="http://www.w3.org/2001/XMLSchema-instance" xmlns:pc="http://schemas.microsoft.com/office/infopath/2007/PartnerControls">
+  <documentManagement>
+    <MediaServiceKeyPoints xmlns="30ba80bf-d9c2-4d8e-8eb2-39800b00708f" xsi:nil="true"/>
+  </documentManagement>
+</p:properties>
 </file>
 
-<file path=customXml/itemProps3.xml><?xml version="1.0" encoding="utf-8"?>
+<file path=customXml/itemProps1.xml><?xml version="1.0" encoding="utf-8"?>
 <ds:datastoreItem xmlns:ds="http://schemas.openxmlformats.org/officeDocument/2006/customXml" ds:itemID="{670F289E-8B42-45EA-9E4B-56A6A8AEA5EE}">
   <ds:schemaRefs>
     <ds:schemaRef ds:uri="http://schemas.microsoft.com/office/2006/metadata/contentType"/>
@@ -8962,4 +9026,22 @@
     <ds:schemaRef ds:uri="http://schemas.microsoft.com/internal/obd"/>
   </ds:schemaRefs>
 </ds:datastoreItem>
+</file>
+
+<file path=customXml/itemProps2.xml><?xml version="1.0" encoding="utf-8"?>
+<ds:datastoreItem xmlns:ds="http://schemas.openxmlformats.org/officeDocument/2006/customXml" ds:itemID="{CE9446AF-47BF-4B9B-8786-FE58025BA149}">
+  <ds:schemaRefs>
+    <ds:schemaRef ds:uri="http://schemas.microsoft.com/sharepoint/v3/contenttype/forms"/>
+  </ds:schemaRefs>
+</ds:datastoreItem>
+</file>
+
+<file path=customXml/itemProps3.xml><?xml version="1.0" encoding="utf-8"?>
+<ds:datastoreItem xmlns:ds="http://schemas.openxmlformats.org/officeDocument/2006/customXml" ds:itemID="{452CD355-91AA-44D7-9281-FE3D16EDCDA0}">
+  <ds:schemaRefs>
+    <ds:schemaRef ds:uri="http://schemas.microsoft.com/office/2006/metadata/properties"/>
+    <ds:schemaRef ds:uri="http://schemas.microsoft.com/office/infopath/2007/PartnerControls"/>
+    <ds:schemaRef ds:uri="30ba80bf-d9c2-4d8e-8eb2-39800b00708f"/>
+  </ds:schemaRefs>
+</ds:datastoreItem>
 </file>